--- a/Kai_ppt2.pptx
+++ b/Kai_ppt2.pptx
@@ -289,7 +289,7 @@
           <a:p>
             <a:fld id="{5BBEAD13-0566-4C6C-97E7-55F17F24B09F}" type="datetimeFigureOut">
               <a:rPr lang="zh-TW" altLang="en-US" smtClean="0"/>
-              <a:t>2017/4/23</a:t>
+              <a:t>2017/4/24</a:t>
             </a:fld>
             <a:endParaRPr lang="zh-TW" altLang="en-US"/>
           </a:p>
@@ -454,7 +454,7 @@
           <a:p>
             <a:fld id="{5BBEAD13-0566-4C6C-97E7-55F17F24B09F}" type="datetimeFigureOut">
               <a:rPr lang="zh-TW" altLang="en-US" smtClean="0"/>
-              <a:t>2017/4/23</a:t>
+              <a:t>2017/4/24</a:t>
             </a:fld>
             <a:endParaRPr lang="zh-TW" altLang="en-US"/>
           </a:p>
@@ -629,7 +629,7 @@
           <a:p>
             <a:fld id="{5BBEAD13-0566-4C6C-97E7-55F17F24B09F}" type="datetimeFigureOut">
               <a:rPr lang="zh-TW" altLang="en-US" smtClean="0"/>
-              <a:t>2017/4/23</a:t>
+              <a:t>2017/4/24</a:t>
             </a:fld>
             <a:endParaRPr lang="zh-TW" altLang="en-US"/>
           </a:p>
@@ -794,7 +794,7 @@
           <a:p>
             <a:fld id="{5BBEAD13-0566-4C6C-97E7-55F17F24B09F}" type="datetimeFigureOut">
               <a:rPr lang="zh-TW" altLang="en-US" smtClean="0"/>
-              <a:t>2017/4/23</a:t>
+              <a:t>2017/4/24</a:t>
             </a:fld>
             <a:endParaRPr lang="zh-TW" altLang="en-US"/>
           </a:p>
@@ -1035,7 +1035,7 @@
           <a:p>
             <a:fld id="{5BBEAD13-0566-4C6C-97E7-55F17F24B09F}" type="datetimeFigureOut">
               <a:rPr lang="zh-TW" altLang="en-US" smtClean="0"/>
-              <a:t>2017/4/23</a:t>
+              <a:t>2017/4/24</a:t>
             </a:fld>
             <a:endParaRPr lang="zh-TW" altLang="en-US"/>
           </a:p>
@@ -1318,7 +1318,7 @@
           <a:p>
             <a:fld id="{5BBEAD13-0566-4C6C-97E7-55F17F24B09F}" type="datetimeFigureOut">
               <a:rPr lang="zh-TW" altLang="en-US" smtClean="0"/>
-              <a:t>2017/4/23</a:t>
+              <a:t>2017/4/24</a:t>
             </a:fld>
             <a:endParaRPr lang="zh-TW" altLang="en-US"/>
           </a:p>
@@ -1735,7 +1735,7 @@
           <a:p>
             <a:fld id="{5BBEAD13-0566-4C6C-97E7-55F17F24B09F}" type="datetimeFigureOut">
               <a:rPr lang="zh-TW" altLang="en-US" smtClean="0"/>
-              <a:t>2017/4/23</a:t>
+              <a:t>2017/4/24</a:t>
             </a:fld>
             <a:endParaRPr lang="zh-TW" altLang="en-US"/>
           </a:p>
@@ -1848,7 +1848,7 @@
           <a:p>
             <a:fld id="{5BBEAD13-0566-4C6C-97E7-55F17F24B09F}" type="datetimeFigureOut">
               <a:rPr lang="zh-TW" altLang="en-US" smtClean="0"/>
-              <a:t>2017/4/23</a:t>
+              <a:t>2017/4/24</a:t>
             </a:fld>
             <a:endParaRPr lang="zh-TW" altLang="en-US"/>
           </a:p>
@@ -1938,7 +1938,7 @@
           <a:p>
             <a:fld id="{5BBEAD13-0566-4C6C-97E7-55F17F24B09F}" type="datetimeFigureOut">
               <a:rPr lang="zh-TW" altLang="en-US" smtClean="0"/>
-              <a:t>2017/4/23</a:t>
+              <a:t>2017/4/24</a:t>
             </a:fld>
             <a:endParaRPr lang="zh-TW" altLang="en-US"/>
           </a:p>
@@ -2210,7 +2210,7 @@
           <a:p>
             <a:fld id="{5BBEAD13-0566-4C6C-97E7-55F17F24B09F}" type="datetimeFigureOut">
               <a:rPr lang="zh-TW" altLang="en-US" smtClean="0"/>
-              <a:t>2017/4/23</a:t>
+              <a:t>2017/4/24</a:t>
             </a:fld>
             <a:endParaRPr lang="zh-TW" altLang="en-US"/>
           </a:p>
@@ -2458,7 +2458,7 @@
           <a:p>
             <a:fld id="{5BBEAD13-0566-4C6C-97E7-55F17F24B09F}" type="datetimeFigureOut">
               <a:rPr lang="zh-TW" altLang="en-US" smtClean="0"/>
-              <a:t>2017/4/23</a:t>
+              <a:t>2017/4/24</a:t>
             </a:fld>
             <a:endParaRPr lang="zh-TW" altLang="en-US"/>
           </a:p>
@@ -2671,7 +2671,7 @@
           <a:p>
             <a:fld id="{5BBEAD13-0566-4C6C-97E7-55F17F24B09F}" type="datetimeFigureOut">
               <a:rPr lang="zh-TW" altLang="en-US" smtClean="0"/>
-              <a:t>2017/4/23</a:t>
+              <a:t>2017/4/24</a:t>
             </a:fld>
             <a:endParaRPr lang="zh-TW" altLang="en-US"/>
           </a:p>
@@ -3281,19 +3281,7 @@
                 <a:cs typeface="微軟正黑體"/>
                 <a:sym typeface="微軟正黑體"/>
               </a:rPr>
-              <a:t>主</a:t>
-            </a:r>
-            <a:r>
-              <a:rPr lang="zh-TW" altLang="en-US" dirty="0" smtClean="0">
-                <a:solidFill>
-                  <a:srgbClr val="000000"/>
-                </a:solidFill>
-                <a:latin typeface="微軟正黑體"/>
-                <a:ea typeface="微軟正黑體"/>
-                <a:cs typeface="微軟正黑體"/>
-                <a:sym typeface="微軟正黑體"/>
-              </a:rPr>
-              <a:t>打</a:t>
+              <a:t>主打</a:t>
             </a:r>
             <a:r>
               <a:rPr lang="zh-TW" altLang="en-US" dirty="0">
@@ -3317,19 +3305,7 @@
                 <a:cs typeface="微軟正黑體"/>
                 <a:sym typeface="微軟正黑體"/>
               </a:rPr>
-              <a:t>功能</a:t>
-            </a:r>
-            <a:r>
-              <a:rPr lang="zh-TW" altLang="en-US" dirty="0" smtClean="0">
-                <a:solidFill>
-                  <a:srgbClr val="000000"/>
-                </a:solidFill>
-                <a:latin typeface="微軟正黑體"/>
-                <a:ea typeface="微軟正黑體"/>
-                <a:cs typeface="微軟正黑體"/>
-                <a:sym typeface="微軟正黑體"/>
-              </a:rPr>
-              <a:t>介紹</a:t>
+              <a:t>功能介紹</a:t>
             </a:r>
             <a:endParaRPr lang="zh-TW" altLang="en-US" dirty="0">
               <a:solidFill>
@@ -3898,19 +3874,7 @@
                 <a:cs typeface="微軟正黑體"/>
                 <a:sym typeface="微軟正黑體"/>
               </a:rPr>
-              <a:t>社群</a:t>
-            </a:r>
-            <a:r>
-              <a:rPr lang="zh-TW" altLang="en-US" sz="1566" dirty="0" smtClean="0">
-                <a:solidFill>
-                  <a:srgbClr val="000000"/>
-                </a:solidFill>
-                <a:latin typeface="微軟正黑體"/>
-                <a:ea typeface="微軟正黑體"/>
-                <a:cs typeface="微軟正黑體"/>
-                <a:sym typeface="微軟正黑體"/>
-              </a:rPr>
-              <a:t>網站</a:t>
+              <a:t>社群網站</a:t>
             </a:r>
             <a:r>
               <a:rPr lang="zh-TW" altLang="en-US" sz="1566" dirty="0">
@@ -3924,15 +3888,6 @@
               </a:rPr>
               <a:t>分享</a:t>
             </a:r>
-            <a:endParaRPr lang="zh-TW" altLang="en-US" sz="1566" dirty="0">
-              <a:solidFill>
-                <a:srgbClr val="000000"/>
-              </a:solidFill>
-              <a:latin typeface="微軟正黑體"/>
-              <a:ea typeface="微軟正黑體"/>
-              <a:cs typeface="微軟正黑體"/>
-              <a:sym typeface="微軟正黑體"/>
-            </a:endParaRPr>
           </a:p>
         </p:txBody>
       </p:sp>
@@ -3966,220 +3921,6 @@
           <a:chExt cx="0" cy="0"/>
         </a:xfrm>
       </p:grpSpPr>
-      <p:pic>
-        <p:nvPicPr>
-          <p:cNvPr id="4" name="Picture 3" descr="C:\Users\user.DESKTOP-22A0EPS\Desktop\關於赤弦2.png"/>
-          <p:cNvPicPr>
-            <a:picLocks noChangeAspect="1" noChangeArrowheads="1"/>
-          </p:cNvPicPr>
-          <p:nvPr/>
-        </p:nvPicPr>
-        <p:blipFill>
-          <a:blip r:embed="rId2" cstate="print">
-            <a:extLst>
-              <a:ext uri="{28A0092B-C50C-407E-A947-70E740481C1C}">
-                <a14:useLocalDpi xmlns:a14="http://schemas.microsoft.com/office/drawing/2010/main" val="0"/>
-              </a:ext>
-            </a:extLst>
-          </a:blip>
-          <a:srcRect/>
-          <a:stretch>
-            <a:fillRect/>
-          </a:stretch>
-        </p:blipFill>
-        <p:spPr bwMode="auto">
-          <a:xfrm>
-            <a:off x="-1" y="5279"/>
-            <a:ext cx="4952949" cy="6852721"/>
-          </a:xfrm>
-          <a:prstGeom prst="rect">
-            <a:avLst/>
-          </a:prstGeom>
-          <a:noFill/>
-          <a:extLst>
-            <a:ext uri="{909E8E84-426E-40DD-AFC4-6F175D3DCCD1}">
-              <a14:hiddenFill xmlns:a14="http://schemas.microsoft.com/office/drawing/2010/main">
-                <a:solidFill>
-                  <a:srgbClr val="FFFFFF"/>
-                </a:solidFill>
-              </a14:hiddenFill>
-            </a:ext>
-          </a:extLst>
-        </p:spPr>
-      </p:pic>
-      <p:sp>
-        <p:nvSpPr>
-          <p:cNvPr id="9" name="文字方塊 8"/>
-          <p:cNvSpPr txBox="1"/>
-          <p:nvPr/>
-        </p:nvSpPr>
-        <p:spPr>
-          <a:xfrm>
-            <a:off x="1198662" y="3898314"/>
-            <a:ext cx="1800200" cy="584775"/>
-          </a:xfrm>
-          <a:prstGeom prst="rect">
-            <a:avLst/>
-          </a:prstGeom>
-          <a:noFill/>
-        </p:spPr>
-        <p:txBody>
-          <a:bodyPr wrap="square" rtlCol="0">
-            <a:spAutoFit/>
-          </a:bodyPr>
-          <a:lstStyle/>
-          <a:p>
-            <a:r>
-              <a:rPr lang="zh-TW" altLang="en-US" sz="3200" dirty="0" smtClean="0">
-                <a:latin typeface="Adobe 繁黑體 Std B" pitchFamily="34" charset="-120"/>
-                <a:ea typeface="Adobe 繁黑體 Std B" pitchFamily="34" charset="-120"/>
-              </a:rPr>
-              <a:t>宗旨</a:t>
-            </a:r>
-            <a:endParaRPr lang="zh-TW" altLang="en-US" sz="3200" dirty="0">
-              <a:latin typeface="Adobe 繁黑體 Std B" pitchFamily="34" charset="-120"/>
-              <a:ea typeface="Adobe 繁黑體 Std B" pitchFamily="34" charset="-120"/>
-            </a:endParaRPr>
-          </a:p>
-        </p:txBody>
-      </p:sp>
-      <p:sp>
-        <p:nvSpPr>
-          <p:cNvPr id="10" name="文字方塊 9"/>
-          <p:cNvSpPr txBox="1"/>
-          <p:nvPr/>
-        </p:nvSpPr>
-        <p:spPr>
-          <a:xfrm>
-            <a:off x="2782838" y="3898312"/>
-            <a:ext cx="1800200" cy="584775"/>
-          </a:xfrm>
-          <a:prstGeom prst="rect">
-            <a:avLst/>
-          </a:prstGeom>
-          <a:noFill/>
-        </p:spPr>
-        <p:txBody>
-          <a:bodyPr wrap="square" rtlCol="0">
-            <a:spAutoFit/>
-          </a:bodyPr>
-          <a:lstStyle/>
-          <a:p>
-            <a:r>
-              <a:rPr lang="zh-TW" altLang="en-US" sz="3200" dirty="0">
-                <a:latin typeface="Adobe 繁黑體 Std B" pitchFamily="34" charset="-120"/>
-                <a:ea typeface="Adobe 繁黑體 Std B" pitchFamily="34" charset="-120"/>
-              </a:rPr>
-              <a:t>目標</a:t>
-            </a:r>
-          </a:p>
-        </p:txBody>
-      </p:sp>
-      <p:sp>
-        <p:nvSpPr>
-          <p:cNvPr id="11" name="文字方塊 10"/>
-          <p:cNvSpPr txBox="1"/>
-          <p:nvPr/>
-        </p:nvSpPr>
-        <p:spPr>
-          <a:xfrm>
-            <a:off x="1001487" y="5301208"/>
-            <a:ext cx="3994750" cy="461665"/>
-          </a:xfrm>
-          <a:prstGeom prst="rect">
-            <a:avLst/>
-          </a:prstGeom>
-          <a:noFill/>
-        </p:spPr>
-        <p:txBody>
-          <a:bodyPr wrap="square" rtlCol="0">
-            <a:spAutoFit/>
-          </a:bodyPr>
-          <a:lstStyle/>
-          <a:p>
-            <a:r>
-              <a:rPr lang="zh-TW" altLang="en-US" sz="2400" dirty="0">
-                <a:latin typeface="Adobe 繁黑體 Std B" pitchFamily="34" charset="-120"/>
-                <a:ea typeface="Adobe 繁黑體 Std B" pitchFamily="34" charset="-120"/>
-              </a:rPr>
-              <a:t>社團介紹</a:t>
-            </a:r>
-          </a:p>
-        </p:txBody>
-      </p:sp>
-      <p:sp>
-        <p:nvSpPr>
-          <p:cNvPr id="12" name="文字方塊 11"/>
-          <p:cNvSpPr txBox="1"/>
-          <p:nvPr/>
-        </p:nvSpPr>
-        <p:spPr>
-          <a:xfrm>
-            <a:off x="2638822" y="5310464"/>
-            <a:ext cx="3994750" cy="461665"/>
-          </a:xfrm>
-          <a:prstGeom prst="rect">
-            <a:avLst/>
-          </a:prstGeom>
-          <a:noFill/>
-        </p:spPr>
-        <p:txBody>
-          <a:bodyPr wrap="square" rtlCol="0">
-            <a:spAutoFit/>
-          </a:bodyPr>
-          <a:lstStyle/>
-          <a:p>
-            <a:r>
-              <a:rPr lang="zh-TW" altLang="en-US" sz="2400" dirty="0">
-                <a:latin typeface="Adobe 繁黑體 Std B" pitchFamily="34" charset="-120"/>
-                <a:ea typeface="Adobe 繁黑體 Std B" pitchFamily="34" charset="-120"/>
-              </a:rPr>
-              <a:t>組織</a:t>
-            </a:r>
-            <a:r>
-              <a:rPr lang="zh-TW" altLang="en-US" sz="2400" dirty="0" smtClean="0">
-                <a:latin typeface="Adobe 繁黑體 Std B" pitchFamily="34" charset="-120"/>
-                <a:ea typeface="Adobe 繁黑體 Std B" pitchFamily="34" charset="-120"/>
-              </a:rPr>
-              <a:t>介紹</a:t>
-            </a:r>
-            <a:endParaRPr lang="zh-TW" altLang="en-US" sz="2400" dirty="0">
-              <a:latin typeface="Adobe 繁黑體 Std B" pitchFamily="34" charset="-120"/>
-              <a:ea typeface="Adobe 繁黑體 Std B" pitchFamily="34" charset="-120"/>
-            </a:endParaRPr>
-          </a:p>
-        </p:txBody>
-      </p:sp>
-      <p:pic>
-        <p:nvPicPr>
-          <p:cNvPr id="13" name="圖片 12"/>
-          <p:cNvPicPr>
-            <a:picLocks noChangeAspect="1"/>
-          </p:cNvPicPr>
-          <p:nvPr/>
-        </p:nvPicPr>
-        <p:blipFill>
-          <a:blip r:embed="rId3" cstate="print">
-            <a:extLst>
-              <a:ext uri="{28A0092B-C50C-407E-A947-70E740481C1C}">
-                <a14:useLocalDpi xmlns:a14="http://schemas.microsoft.com/office/drawing/2010/main" val="0"/>
-              </a:ext>
-            </a:extLst>
-          </a:blip>
-          <a:stretch>
-            <a:fillRect/>
-          </a:stretch>
-        </p:blipFill>
-        <p:spPr>
-          <a:xfrm>
-            <a:off x="15200" y="404664"/>
-            <a:ext cx="4937748" cy="2664296"/>
-          </a:xfrm>
-          <a:prstGeom prst="rect">
-            <a:avLst/>
-          </a:prstGeom>
-        </p:spPr>
-      </p:pic>
       <p:sp>
         <p:nvSpPr>
           <p:cNvPr id="14" name="矩形 13"/>
@@ -4376,7 +4117,7 @@
           <p:nvPr/>
         </p:nvPicPr>
         <p:blipFill rotWithShape="1">
-          <a:blip r:embed="rId4">
+          <a:blip r:embed="rId2">
             <a:extLst>
               <a:ext uri="{28A0092B-C50C-407E-A947-70E740481C1C}">
                 <a14:useLocalDpi xmlns:a14="http://schemas.microsoft.com/office/drawing/2010/main" val="0"/>
@@ -4688,7 +4429,7 @@
           <p:nvPr/>
         </p:nvPicPr>
         <p:blipFill>
-          <a:blip r:embed="rId5" cstate="print">
+          <a:blip r:embed="rId3" cstate="print">
             <a:extLst>
               <a:ext uri="{28A0092B-C50C-407E-A947-70E740481C1C}">
                 <a14:useLocalDpi xmlns:a14="http://schemas.microsoft.com/office/drawing/2010/main" val="0"/>
@@ -4765,7 +4506,7 @@
           <p:nvPr/>
         </p:nvPicPr>
         <p:blipFill>
-          <a:blip r:embed="rId5" cstate="print">
+          <a:blip r:embed="rId3" cstate="print">
             <a:extLst>
               <a:ext uri="{28A0092B-C50C-407E-A947-70E740481C1C}">
                 <a14:useLocalDpi xmlns:a14="http://schemas.microsoft.com/office/drawing/2010/main" val="0"/>
@@ -4837,7 +4578,7 @@
         </p:nvSpPr>
         <p:spPr>
           <a:xfrm>
-            <a:off x="6619170" y="4082977"/>
+            <a:off x="6527254" y="4082977"/>
             <a:ext cx="1369846" cy="369332"/>
           </a:xfrm>
           <a:prstGeom prst="rect">
@@ -4871,7 +4612,7 @@
         </p:nvSpPr>
         <p:spPr>
           <a:xfrm>
-            <a:off x="6633572" y="5019446"/>
+            <a:off x="6527254" y="5019446"/>
             <a:ext cx="1369846" cy="369332"/>
           </a:xfrm>
           <a:prstGeom prst="rect">
@@ -4890,6 +4631,580 @@
               <a:t>mouseEnter</a:t>
             </a:r>
             <a:endParaRPr lang="zh-TW" altLang="en-US" dirty="0"/>
+          </a:p>
+        </p:txBody>
+      </p:sp>
+      <p:pic>
+        <p:nvPicPr>
+          <p:cNvPr id="26" name="Picture 3" descr="C:\Users\user.DESKTOP-22A0EPS\Desktop\關於赤弦2.png"/>
+          <p:cNvPicPr>
+            <a:picLocks noChangeAspect="1" noChangeArrowheads="1"/>
+          </p:cNvPicPr>
+          <p:nvPr/>
+        </p:nvPicPr>
+        <p:blipFill>
+          <a:blip r:embed="rId4" cstate="print">
+            <a:extLst>
+              <a:ext uri="{28A0092B-C50C-407E-A947-70E740481C1C}">
+                <a14:useLocalDpi xmlns:a14="http://schemas.microsoft.com/office/drawing/2010/main" val="0"/>
+              </a:ext>
+            </a:extLst>
+          </a:blip>
+          <a:srcRect/>
+          <a:stretch>
+            <a:fillRect/>
+          </a:stretch>
+        </p:blipFill>
+        <p:spPr bwMode="auto">
+          <a:xfrm>
+            <a:off x="-1" y="2146"/>
+            <a:ext cx="4871071" cy="6855668"/>
+          </a:xfrm>
+          <a:prstGeom prst="rect">
+            <a:avLst/>
+          </a:prstGeom>
+          <a:noFill/>
+          <a:extLst>
+            <a:ext uri="{909E8E84-426E-40DD-AFC4-6F175D3DCCD1}">
+              <a14:hiddenFill xmlns:a14="http://schemas.microsoft.com/office/drawing/2010/main">
+                <a:solidFill>
+                  <a:srgbClr val="FFFFFF"/>
+                </a:solidFill>
+              </a14:hiddenFill>
+            </a:ext>
+          </a:extLst>
+        </p:spPr>
+      </p:pic>
+      <p:pic>
+        <p:nvPicPr>
+          <p:cNvPr id="27" name="圖片 26"/>
+          <p:cNvPicPr>
+            <a:picLocks noChangeAspect="1"/>
+          </p:cNvPicPr>
+          <p:nvPr/>
+        </p:nvPicPr>
+        <p:blipFill>
+          <a:blip r:embed="rId5" cstate="print">
+            <a:extLst>
+              <a:ext uri="{28A0092B-C50C-407E-A947-70E740481C1C}">
+                <a14:useLocalDpi xmlns:a14="http://schemas.microsoft.com/office/drawing/2010/main" val="0"/>
+              </a:ext>
+            </a:extLst>
+          </a:blip>
+          <a:stretch>
+            <a:fillRect/>
+          </a:stretch>
+        </p:blipFill>
+        <p:spPr>
+          <a:xfrm>
+            <a:off x="-2179" y="418419"/>
+            <a:ext cx="4873249" cy="2654811"/>
+          </a:xfrm>
+          <a:prstGeom prst="rect">
+            <a:avLst/>
+          </a:prstGeom>
+        </p:spPr>
+      </p:pic>
+      <p:pic>
+        <p:nvPicPr>
+          <p:cNvPr id="40" name="圖片 39"/>
+          <p:cNvPicPr>
+            <a:picLocks noChangeAspect="1"/>
+          </p:cNvPicPr>
+          <p:nvPr/>
+        </p:nvPicPr>
+        <p:blipFill>
+          <a:blip r:embed="rId6" cstate="print">
+            <a:extLst>
+              <a:ext uri="{28A0092B-C50C-407E-A947-70E740481C1C}">
+                <a14:useLocalDpi xmlns:a14="http://schemas.microsoft.com/office/drawing/2010/main" val="0"/>
+              </a:ext>
+            </a:extLst>
+          </a:blip>
+          <a:stretch>
+            <a:fillRect/>
+          </a:stretch>
+        </p:blipFill>
+        <p:spPr>
+          <a:xfrm>
+            <a:off x="955541" y="3501007"/>
+            <a:ext cx="1395249" cy="1265003"/>
+          </a:xfrm>
+          <a:prstGeom prst="rect">
+            <a:avLst/>
+          </a:prstGeom>
+        </p:spPr>
+      </p:pic>
+      <p:pic>
+        <p:nvPicPr>
+          <p:cNvPr id="41" name="圖片 40"/>
+          <p:cNvPicPr>
+            <a:picLocks noChangeAspect="1"/>
+          </p:cNvPicPr>
+          <p:nvPr/>
+        </p:nvPicPr>
+        <p:blipFill>
+          <a:blip r:embed="rId7" cstate="print">
+            <a:extLst>
+              <a:ext uri="{28A0092B-C50C-407E-A947-70E740481C1C}">
+                <a14:useLocalDpi xmlns:a14="http://schemas.microsoft.com/office/drawing/2010/main" val="0"/>
+              </a:ext>
+            </a:extLst>
+          </a:blip>
+          <a:stretch>
+            <a:fillRect/>
+          </a:stretch>
+        </p:blipFill>
+        <p:spPr>
+          <a:xfrm>
+            <a:off x="2493560" y="3490778"/>
+            <a:ext cx="1441406" cy="1275232"/>
+          </a:xfrm>
+          <a:prstGeom prst="rect">
+            <a:avLst/>
+          </a:prstGeom>
+        </p:spPr>
+      </p:pic>
+      <p:pic>
+        <p:nvPicPr>
+          <p:cNvPr id="42" name="圖片 41"/>
+          <p:cNvPicPr>
+            <a:picLocks noChangeAspect="1"/>
+          </p:cNvPicPr>
+          <p:nvPr/>
+        </p:nvPicPr>
+        <p:blipFill>
+          <a:blip r:embed="rId8" cstate="print">
+            <a:extLst>
+              <a:ext uri="{28A0092B-C50C-407E-A947-70E740481C1C}">
+                <a14:useLocalDpi xmlns:a14="http://schemas.microsoft.com/office/drawing/2010/main" val="0"/>
+              </a:ext>
+            </a:extLst>
+          </a:blip>
+          <a:stretch>
+            <a:fillRect/>
+          </a:stretch>
+        </p:blipFill>
+        <p:spPr>
+          <a:xfrm>
+            <a:off x="967791" y="4906420"/>
+            <a:ext cx="1382999" cy="1330892"/>
+          </a:xfrm>
+          <a:prstGeom prst="rect">
+            <a:avLst/>
+          </a:prstGeom>
+        </p:spPr>
+      </p:pic>
+      <p:pic>
+        <p:nvPicPr>
+          <p:cNvPr id="43" name="圖片 42"/>
+          <p:cNvPicPr>
+            <a:picLocks noChangeAspect="1"/>
+          </p:cNvPicPr>
+          <p:nvPr/>
+        </p:nvPicPr>
+        <p:blipFill>
+          <a:blip r:embed="rId9" cstate="print">
+            <a:extLst>
+              <a:ext uri="{28A0092B-C50C-407E-A947-70E740481C1C}">
+                <a14:useLocalDpi xmlns:a14="http://schemas.microsoft.com/office/drawing/2010/main" val="0"/>
+              </a:ext>
+            </a:extLst>
+          </a:blip>
+          <a:stretch>
+            <a:fillRect/>
+          </a:stretch>
+        </p:blipFill>
+        <p:spPr>
+          <a:xfrm>
+            <a:off x="2493560" y="4887191"/>
+            <a:ext cx="1416139" cy="1350121"/>
+          </a:xfrm>
+          <a:prstGeom prst="rect">
+            <a:avLst/>
+          </a:prstGeom>
+        </p:spPr>
+      </p:pic>
+      <p:sp>
+        <p:nvSpPr>
+          <p:cNvPr id="44" name="文字方塊 43"/>
+          <p:cNvSpPr txBox="1"/>
+          <p:nvPr/>
+        </p:nvSpPr>
+        <p:spPr>
+          <a:xfrm>
+            <a:off x="1270670" y="3932828"/>
+            <a:ext cx="1800200" cy="461665"/>
+          </a:xfrm>
+          <a:prstGeom prst="rect">
+            <a:avLst/>
+          </a:prstGeom>
+          <a:noFill/>
+        </p:spPr>
+        <p:txBody>
+          <a:bodyPr wrap="square" rtlCol="0">
+            <a:spAutoFit/>
+          </a:bodyPr>
+          <a:lstStyle/>
+          <a:p>
+            <a:r>
+              <a:rPr lang="zh-TW" altLang="en-US" sz="2400" dirty="0" smtClean="0">
+                <a:solidFill>
+                  <a:schemeClr val="bg1"/>
+                </a:solidFill>
+                <a:latin typeface="Adobe 繁黑體 Std B" pitchFamily="34" charset="-120"/>
+                <a:ea typeface="Adobe 繁黑體 Std B" pitchFamily="34" charset="-120"/>
+              </a:rPr>
+              <a:t>宗旨</a:t>
+            </a:r>
+            <a:endParaRPr lang="zh-TW" altLang="en-US" sz="2400" dirty="0">
+              <a:solidFill>
+                <a:schemeClr val="bg1"/>
+              </a:solidFill>
+              <a:latin typeface="Adobe 繁黑體 Std B" pitchFamily="34" charset="-120"/>
+              <a:ea typeface="Adobe 繁黑體 Std B" pitchFamily="34" charset="-120"/>
+            </a:endParaRPr>
+          </a:p>
+        </p:txBody>
+      </p:sp>
+      <p:sp>
+        <p:nvSpPr>
+          <p:cNvPr id="45" name="文字方塊 44"/>
+          <p:cNvSpPr txBox="1"/>
+          <p:nvPr/>
+        </p:nvSpPr>
+        <p:spPr>
+          <a:xfrm>
+            <a:off x="2782838" y="3956746"/>
+            <a:ext cx="1800200" cy="461665"/>
+          </a:xfrm>
+          <a:prstGeom prst="rect">
+            <a:avLst/>
+          </a:prstGeom>
+          <a:noFill/>
+        </p:spPr>
+        <p:txBody>
+          <a:bodyPr wrap="square" rtlCol="0">
+            <a:spAutoFit/>
+          </a:bodyPr>
+          <a:lstStyle/>
+          <a:p>
+            <a:r>
+              <a:rPr lang="zh-TW" altLang="en-US" sz="2400" dirty="0">
+                <a:solidFill>
+                  <a:schemeClr val="bg1"/>
+                </a:solidFill>
+                <a:latin typeface="Adobe 繁黑體 Std B" pitchFamily="34" charset="-120"/>
+                <a:ea typeface="Adobe 繁黑體 Std B" pitchFamily="34" charset="-120"/>
+              </a:rPr>
+              <a:t>目標</a:t>
+            </a:r>
+          </a:p>
+        </p:txBody>
+      </p:sp>
+      <p:sp>
+        <p:nvSpPr>
+          <p:cNvPr id="46" name="文字方塊 45"/>
+          <p:cNvSpPr txBox="1"/>
+          <p:nvPr/>
+        </p:nvSpPr>
+        <p:spPr>
+          <a:xfrm>
+            <a:off x="982638" y="5341033"/>
+            <a:ext cx="3994750" cy="461665"/>
+          </a:xfrm>
+          <a:prstGeom prst="rect">
+            <a:avLst/>
+          </a:prstGeom>
+          <a:noFill/>
+        </p:spPr>
+        <p:txBody>
+          <a:bodyPr wrap="square" rtlCol="0">
+            <a:spAutoFit/>
+          </a:bodyPr>
+          <a:lstStyle/>
+          <a:p>
+            <a:r>
+              <a:rPr lang="zh-TW" altLang="en-US" sz="2400" dirty="0">
+                <a:solidFill>
+                  <a:schemeClr val="bg1"/>
+                </a:solidFill>
+                <a:latin typeface="Adobe 繁黑體 Std B" pitchFamily="34" charset="-120"/>
+                <a:ea typeface="Adobe 繁黑體 Std B" pitchFamily="34" charset="-120"/>
+              </a:rPr>
+              <a:t>社團介紹</a:t>
+            </a:r>
+          </a:p>
+        </p:txBody>
+      </p:sp>
+      <p:sp>
+        <p:nvSpPr>
+          <p:cNvPr id="47" name="文字方塊 46"/>
+          <p:cNvSpPr txBox="1"/>
+          <p:nvPr/>
+        </p:nvSpPr>
+        <p:spPr>
+          <a:xfrm>
+            <a:off x="2494806" y="5331418"/>
+            <a:ext cx="3994750" cy="461665"/>
+          </a:xfrm>
+          <a:prstGeom prst="rect">
+            <a:avLst/>
+          </a:prstGeom>
+          <a:noFill/>
+        </p:spPr>
+        <p:txBody>
+          <a:bodyPr wrap="square" rtlCol="0">
+            <a:spAutoFit/>
+          </a:bodyPr>
+          <a:lstStyle/>
+          <a:p>
+            <a:r>
+              <a:rPr lang="zh-TW" altLang="en-US" sz="2400" dirty="0">
+                <a:solidFill>
+                  <a:schemeClr val="bg1"/>
+                </a:solidFill>
+                <a:latin typeface="Adobe 繁黑體 Std B" pitchFamily="34" charset="-120"/>
+                <a:ea typeface="Adobe 繁黑體 Std B" pitchFamily="34" charset="-120"/>
+              </a:rPr>
+              <a:t>組織</a:t>
+            </a:r>
+            <a:r>
+              <a:rPr lang="zh-TW" altLang="en-US" sz="2400" dirty="0" smtClean="0">
+                <a:solidFill>
+                  <a:schemeClr val="bg1"/>
+                </a:solidFill>
+                <a:latin typeface="Adobe 繁黑體 Std B" pitchFamily="34" charset="-120"/>
+                <a:ea typeface="Adobe 繁黑體 Std B" pitchFamily="34" charset="-120"/>
+              </a:rPr>
+              <a:t>介紹</a:t>
+            </a:r>
+            <a:endParaRPr lang="zh-TW" altLang="en-US" sz="2400" dirty="0">
+              <a:solidFill>
+                <a:schemeClr val="bg1"/>
+              </a:solidFill>
+              <a:latin typeface="Adobe 繁黑體 Std B" pitchFamily="34" charset="-120"/>
+              <a:ea typeface="Adobe 繁黑體 Std B" pitchFamily="34" charset="-120"/>
+            </a:endParaRPr>
+          </a:p>
+        </p:txBody>
+      </p:sp>
+      <p:pic>
+        <p:nvPicPr>
+          <p:cNvPr id="48" name="圖片 47"/>
+          <p:cNvPicPr>
+            <a:picLocks noChangeAspect="1"/>
+          </p:cNvPicPr>
+          <p:nvPr/>
+        </p:nvPicPr>
+        <p:blipFill>
+          <a:blip r:embed="rId10" cstate="print">
+            <a:extLst>
+              <a:ext uri="{28A0092B-C50C-407E-A947-70E740481C1C}">
+                <a14:useLocalDpi xmlns:a14="http://schemas.microsoft.com/office/drawing/2010/main" val="0"/>
+              </a:ext>
+            </a:extLst>
+          </a:blip>
+          <a:stretch>
+            <a:fillRect/>
+          </a:stretch>
+        </p:blipFill>
+        <p:spPr>
+          <a:xfrm>
+            <a:off x="2134767" y="6577826"/>
+            <a:ext cx="216023" cy="216023"/>
+          </a:xfrm>
+          <a:prstGeom prst="rect">
+            <a:avLst/>
+          </a:prstGeom>
+        </p:spPr>
+      </p:pic>
+      <p:pic>
+        <p:nvPicPr>
+          <p:cNvPr id="49" name="圖片 48"/>
+          <p:cNvPicPr>
+            <a:picLocks noChangeAspect="1"/>
+          </p:cNvPicPr>
+          <p:nvPr/>
+        </p:nvPicPr>
+        <p:blipFill>
+          <a:blip r:embed="rId10" cstate="print">
+            <a:extLst>
+              <a:ext uri="{28A0092B-C50C-407E-A947-70E740481C1C}">
+                <a14:useLocalDpi xmlns:a14="http://schemas.microsoft.com/office/drawing/2010/main" val="0"/>
+              </a:ext>
+            </a:extLst>
+          </a:blip>
+          <a:stretch>
+            <a:fillRect/>
+          </a:stretch>
+        </p:blipFill>
+        <p:spPr>
+          <a:xfrm>
+            <a:off x="8975526" y="3979611"/>
+            <a:ext cx="576064" cy="576064"/>
+          </a:xfrm>
+          <a:prstGeom prst="rect">
+            <a:avLst/>
+          </a:prstGeom>
+        </p:spPr>
+      </p:pic>
+      <p:sp>
+        <p:nvSpPr>
+          <p:cNvPr id="2" name="矩形 1"/>
+          <p:cNvSpPr/>
+          <p:nvPr/>
+        </p:nvSpPr>
+        <p:spPr>
+          <a:xfrm>
+            <a:off x="10277921" y="4113755"/>
+            <a:ext cx="846707" cy="369332"/>
+          </a:xfrm>
+          <a:prstGeom prst="rect">
+            <a:avLst/>
+          </a:prstGeom>
+        </p:spPr>
+        <p:txBody>
+          <a:bodyPr wrap="none">
+            <a:spAutoFit/>
+          </a:bodyPr>
+          <a:lstStyle/>
+          <a:p>
+            <a:r>
+              <a:rPr lang="zh-TW" altLang="en-US" dirty="0" smtClean="0"/>
+              <a:t>：</a:t>
+            </a:r>
+            <a:r>
+              <a:rPr lang="en-US" altLang="zh-TW" dirty="0" smtClean="0"/>
+              <a:t>Click</a:t>
+            </a:r>
+            <a:endParaRPr lang="zh-TW" altLang="en-US" dirty="0"/>
+          </a:p>
+        </p:txBody>
+      </p:sp>
+      <p:pic>
+        <p:nvPicPr>
+          <p:cNvPr id="1027" name="Picture 3"/>
+          <p:cNvPicPr>
+            <a:picLocks noChangeAspect="1" noChangeArrowheads="1"/>
+          </p:cNvPicPr>
+          <p:nvPr/>
+        </p:nvPicPr>
+        <p:blipFill>
+          <a:blip r:embed="rId11">
+            <a:extLst>
+              <a:ext uri="{28A0092B-C50C-407E-A947-70E740481C1C}">
+                <a14:useLocalDpi xmlns:a14="http://schemas.microsoft.com/office/drawing/2010/main" val="0"/>
+              </a:ext>
+            </a:extLst>
+          </a:blip>
+          <a:srcRect/>
+          <a:stretch>
+            <a:fillRect/>
+          </a:stretch>
+        </p:blipFill>
+        <p:spPr bwMode="auto">
+          <a:xfrm>
+            <a:off x="8325296" y="4972683"/>
+            <a:ext cx="1952625" cy="495300"/>
+          </a:xfrm>
+          <a:prstGeom prst="rect">
+            <a:avLst/>
+          </a:prstGeom>
+          <a:noFill/>
+          <a:ln>
+            <a:noFill/>
+          </a:ln>
+          <a:extLst>
+            <a:ext uri="{909E8E84-426E-40DD-AFC4-6F175D3DCCD1}">
+              <a14:hiddenFill xmlns:a14="http://schemas.microsoft.com/office/drawing/2010/main">
+                <a:solidFill>
+                  <a:schemeClr val="accent1"/>
+                </a:solidFill>
+              </a14:hiddenFill>
+            </a:ext>
+            <a:ext uri="{91240B29-F687-4F45-9708-019B960494DF}">
+              <a14:hiddenLine xmlns:a14="http://schemas.microsoft.com/office/drawing/2010/main" w="9525">
+                <a:solidFill>
+                  <a:schemeClr val="tx1"/>
+                </a:solidFill>
+                <a:miter lim="800000"/>
+                <a:headEnd/>
+                <a:tailEnd/>
+              </a14:hiddenLine>
+            </a:ext>
+          </a:extLst>
+        </p:spPr>
+      </p:pic>
+      <p:cxnSp>
+        <p:nvCxnSpPr>
+          <p:cNvPr id="6" name="直線接點 5"/>
+          <p:cNvCxnSpPr/>
+          <p:nvPr/>
+        </p:nvCxnSpPr>
+        <p:spPr>
+          <a:xfrm>
+            <a:off x="8003418" y="3501007"/>
+            <a:ext cx="0" cy="3076819"/>
+          </a:xfrm>
+          <a:prstGeom prst="line">
+            <a:avLst/>
+          </a:prstGeom>
+        </p:spPr>
+        <p:style>
+          <a:lnRef idx="1">
+            <a:schemeClr val="dk1"/>
+          </a:lnRef>
+          <a:fillRef idx="0">
+            <a:schemeClr val="dk1"/>
+          </a:fillRef>
+          <a:effectRef idx="0">
+            <a:schemeClr val="dk1"/>
+          </a:effectRef>
+          <a:fontRef idx="minor">
+            <a:schemeClr val="tx1"/>
+          </a:fontRef>
+        </p:style>
+      </p:cxnSp>
+      <p:sp>
+        <p:nvSpPr>
+          <p:cNvPr id="51" name="矩形 50"/>
+          <p:cNvSpPr/>
+          <p:nvPr/>
+        </p:nvSpPr>
+        <p:spPr>
+          <a:xfrm>
+            <a:off x="10477977" y="5019446"/>
+            <a:ext cx="1338828" cy="369332"/>
+          </a:xfrm>
+          <a:prstGeom prst="rect">
+            <a:avLst/>
+          </a:prstGeom>
+        </p:spPr>
+        <p:txBody>
+          <a:bodyPr wrap="none">
+            <a:spAutoFit/>
+          </a:bodyPr>
+          <a:lstStyle/>
+          <a:p>
+            <a:r>
+              <a:rPr lang="zh-TW" altLang="en-US" dirty="0">
+                <a:latin typeface="微軟正黑體" panose="020B0604030504040204" pitchFamily="34" charset="-120"/>
+                <a:ea typeface="微軟正黑體" panose="020B0604030504040204" pitchFamily="34" charset="-120"/>
+              </a:rPr>
+              <a:t>：</a:t>
+            </a:r>
+            <a:r>
+              <a:rPr lang="zh-TW" altLang="en-US" dirty="0" smtClean="0">
+                <a:latin typeface="微軟正黑體" panose="020B0604030504040204" pitchFamily="34" charset="-120"/>
+                <a:ea typeface="微軟正黑體" panose="020B0604030504040204" pitchFamily="34" charset="-120"/>
+              </a:rPr>
+              <a:t>分享圖示</a:t>
+            </a:r>
+            <a:endParaRPr lang="zh-TW" altLang="en-US" dirty="0">
+              <a:latin typeface="正黑"/>
+              <a:ea typeface="Adobe 繁黑體 Std B" pitchFamily="34" charset="-120"/>
+            </a:endParaRPr>
           </a:p>
         </p:txBody>
       </p:sp>
